--- a/Manual/Scoreboard Block Diagram.pptx
+++ b/Manual/Scoreboard Block Diagram.pptx
@@ -156,7 +156,7 @@
           </a:lstStyle>
           <a:p>
             <a:r>
-              <a:rPr lang="en-US" smtClean="0"/>
+              <a:rPr lang="en-US"/>
               <a:t>Click to edit Master title style</a:t>
             </a:r>
             <a:endParaRPr lang="en-AU"/>
@@ -221,7 +221,7 @@
           </a:lstStyle>
           <a:p>
             <a:r>
-              <a:rPr lang="en-US" smtClean="0"/>
+              <a:rPr lang="en-US"/>
               <a:t>Click to edit Master subtitle style</a:t>
             </a:r>
             <a:endParaRPr lang="en-AU"/>
@@ -245,7 +245,7 @@
           <a:p>
             <a:fld id="{89DEADFB-B843-4FB0-A82E-9E4DB133936D}" type="datetimeFigureOut">
               <a:rPr lang="en-AU" smtClean="0"/>
-              <a:t>30/07/2017</a:t>
+              <a:t>19/04/2024</a:t>
             </a:fld>
             <a:endParaRPr lang="en-AU"/>
           </a:p>
@@ -339,7 +339,7 @@
           <a:lstStyle/>
           <a:p>
             <a:r>
-              <a:rPr lang="en-US" smtClean="0"/>
+              <a:rPr lang="en-US"/>
               <a:t>Click to edit Master title style</a:t>
             </a:r>
             <a:endParaRPr lang="en-AU"/>
@@ -363,35 +363,35 @@
           <a:p>
             <a:pPr lvl="0"/>
             <a:r>
-              <a:rPr lang="en-US" smtClean="0"/>
+              <a:rPr lang="en-US"/>
               <a:t>Click to edit Master text styles</a:t>
             </a:r>
           </a:p>
           <a:p>
             <a:pPr lvl="1"/>
             <a:r>
-              <a:rPr lang="en-US" smtClean="0"/>
+              <a:rPr lang="en-US"/>
               <a:t>Second level</a:t>
             </a:r>
           </a:p>
           <a:p>
             <a:pPr lvl="2"/>
             <a:r>
-              <a:rPr lang="en-US" smtClean="0"/>
+              <a:rPr lang="en-US"/>
               <a:t>Third level</a:t>
             </a:r>
           </a:p>
           <a:p>
             <a:pPr lvl="3"/>
             <a:r>
-              <a:rPr lang="en-US" smtClean="0"/>
+              <a:rPr lang="en-US"/>
               <a:t>Fourth level</a:t>
             </a:r>
           </a:p>
           <a:p>
             <a:pPr lvl="4"/>
             <a:r>
-              <a:rPr lang="en-US" smtClean="0"/>
+              <a:rPr lang="en-US"/>
               <a:t>Fifth level</a:t>
             </a:r>
             <a:endParaRPr lang="en-AU"/>
@@ -415,7 +415,7 @@
           <a:p>
             <a:fld id="{89DEADFB-B843-4FB0-A82E-9E4DB133936D}" type="datetimeFigureOut">
               <a:rPr lang="en-AU" smtClean="0"/>
-              <a:t>30/07/2017</a:t>
+              <a:t>19/04/2024</a:t>
             </a:fld>
             <a:endParaRPr lang="en-AU"/>
           </a:p>
@@ -514,7 +514,7 @@
           <a:lstStyle/>
           <a:p>
             <a:r>
-              <a:rPr lang="en-US" smtClean="0"/>
+              <a:rPr lang="en-US"/>
               <a:t>Click to edit Master title style</a:t>
             </a:r>
             <a:endParaRPr lang="en-AU"/>
@@ -543,35 +543,35 @@
           <a:p>
             <a:pPr lvl="0"/>
             <a:r>
-              <a:rPr lang="en-US" smtClean="0"/>
+              <a:rPr lang="en-US"/>
               <a:t>Click to edit Master text styles</a:t>
             </a:r>
           </a:p>
           <a:p>
             <a:pPr lvl="1"/>
             <a:r>
-              <a:rPr lang="en-US" smtClean="0"/>
+              <a:rPr lang="en-US"/>
               <a:t>Second level</a:t>
             </a:r>
           </a:p>
           <a:p>
             <a:pPr lvl="2"/>
             <a:r>
-              <a:rPr lang="en-US" smtClean="0"/>
+              <a:rPr lang="en-US"/>
               <a:t>Third level</a:t>
             </a:r>
           </a:p>
           <a:p>
             <a:pPr lvl="3"/>
             <a:r>
-              <a:rPr lang="en-US" smtClean="0"/>
+              <a:rPr lang="en-US"/>
               <a:t>Fourth level</a:t>
             </a:r>
           </a:p>
           <a:p>
             <a:pPr lvl="4"/>
             <a:r>
-              <a:rPr lang="en-US" smtClean="0"/>
+              <a:rPr lang="en-US"/>
               <a:t>Fifth level</a:t>
             </a:r>
             <a:endParaRPr lang="en-AU"/>
@@ -595,7 +595,7 @@
           <a:p>
             <a:fld id="{89DEADFB-B843-4FB0-A82E-9E4DB133936D}" type="datetimeFigureOut">
               <a:rPr lang="en-AU" smtClean="0"/>
-              <a:t>30/07/2017</a:t>
+              <a:t>19/04/2024</a:t>
             </a:fld>
             <a:endParaRPr lang="en-AU"/>
           </a:p>
@@ -689,7 +689,7 @@
           <a:lstStyle/>
           <a:p>
             <a:r>
-              <a:rPr lang="en-US" smtClean="0"/>
+              <a:rPr lang="en-US"/>
               <a:t>Click to edit Master title style</a:t>
             </a:r>
             <a:endParaRPr lang="en-AU"/>
@@ -713,35 +713,35 @@
           <a:p>
             <a:pPr lvl="0"/>
             <a:r>
-              <a:rPr lang="en-US" smtClean="0"/>
+              <a:rPr lang="en-US"/>
               <a:t>Click to edit Master text styles</a:t>
             </a:r>
           </a:p>
           <a:p>
             <a:pPr lvl="1"/>
             <a:r>
-              <a:rPr lang="en-US" smtClean="0"/>
+              <a:rPr lang="en-US"/>
               <a:t>Second level</a:t>
             </a:r>
           </a:p>
           <a:p>
             <a:pPr lvl="2"/>
             <a:r>
-              <a:rPr lang="en-US" smtClean="0"/>
+              <a:rPr lang="en-US"/>
               <a:t>Third level</a:t>
             </a:r>
           </a:p>
           <a:p>
             <a:pPr lvl="3"/>
             <a:r>
-              <a:rPr lang="en-US" smtClean="0"/>
+              <a:rPr lang="en-US"/>
               <a:t>Fourth level</a:t>
             </a:r>
           </a:p>
           <a:p>
             <a:pPr lvl="4"/>
             <a:r>
-              <a:rPr lang="en-US" smtClean="0"/>
+              <a:rPr lang="en-US"/>
               <a:t>Fifth level</a:t>
             </a:r>
             <a:endParaRPr lang="en-AU"/>
@@ -765,7 +765,7 @@
           <a:p>
             <a:fld id="{89DEADFB-B843-4FB0-A82E-9E4DB133936D}" type="datetimeFigureOut">
               <a:rPr lang="en-AU" smtClean="0"/>
-              <a:t>30/07/2017</a:t>
+              <a:t>19/04/2024</a:t>
             </a:fld>
             <a:endParaRPr lang="en-AU"/>
           </a:p>
@@ -868,7 +868,7 @@
           </a:lstStyle>
           <a:p>
             <a:r>
-              <a:rPr lang="en-US" smtClean="0"/>
+              <a:rPr lang="en-US"/>
               <a:t>Click to edit Master title style</a:t>
             </a:r>
             <a:endParaRPr lang="en-AU"/>
@@ -988,7 +988,7 @@
           <a:p>
             <a:pPr lvl="0"/>
             <a:r>
-              <a:rPr lang="en-US" smtClean="0"/>
+              <a:rPr lang="en-US"/>
               <a:t>Click to edit Master text styles</a:t>
             </a:r>
           </a:p>
@@ -1011,7 +1011,7 @@
           <a:p>
             <a:fld id="{89DEADFB-B843-4FB0-A82E-9E4DB133936D}" type="datetimeFigureOut">
               <a:rPr lang="en-AU" smtClean="0"/>
-              <a:t>30/07/2017</a:t>
+              <a:t>19/04/2024</a:t>
             </a:fld>
             <a:endParaRPr lang="en-AU"/>
           </a:p>
@@ -1105,7 +1105,7 @@
           <a:lstStyle/>
           <a:p>
             <a:r>
-              <a:rPr lang="en-US" smtClean="0"/>
+              <a:rPr lang="en-US"/>
               <a:t>Click to edit Master title style</a:t>
             </a:r>
             <a:endParaRPr lang="en-AU"/>
@@ -1134,35 +1134,35 @@
           <a:p>
             <a:pPr lvl="0"/>
             <a:r>
-              <a:rPr lang="en-US" smtClean="0"/>
+              <a:rPr lang="en-US"/>
               <a:t>Click to edit Master text styles</a:t>
             </a:r>
           </a:p>
           <a:p>
             <a:pPr lvl="1"/>
             <a:r>
-              <a:rPr lang="en-US" smtClean="0"/>
+              <a:rPr lang="en-US"/>
               <a:t>Second level</a:t>
             </a:r>
           </a:p>
           <a:p>
             <a:pPr lvl="2"/>
             <a:r>
-              <a:rPr lang="en-US" smtClean="0"/>
+              <a:rPr lang="en-US"/>
               <a:t>Third level</a:t>
             </a:r>
           </a:p>
           <a:p>
             <a:pPr lvl="3"/>
             <a:r>
-              <a:rPr lang="en-US" smtClean="0"/>
+              <a:rPr lang="en-US"/>
               <a:t>Fourth level</a:t>
             </a:r>
           </a:p>
           <a:p>
             <a:pPr lvl="4"/>
             <a:r>
-              <a:rPr lang="en-US" smtClean="0"/>
+              <a:rPr lang="en-US"/>
               <a:t>Fifth level</a:t>
             </a:r>
             <a:endParaRPr lang="en-AU"/>
@@ -1191,35 +1191,35 @@
           <a:p>
             <a:pPr lvl="0"/>
             <a:r>
-              <a:rPr lang="en-US" smtClean="0"/>
+              <a:rPr lang="en-US"/>
               <a:t>Click to edit Master text styles</a:t>
             </a:r>
           </a:p>
           <a:p>
             <a:pPr lvl="1"/>
             <a:r>
-              <a:rPr lang="en-US" smtClean="0"/>
+              <a:rPr lang="en-US"/>
               <a:t>Second level</a:t>
             </a:r>
           </a:p>
           <a:p>
             <a:pPr lvl="2"/>
             <a:r>
-              <a:rPr lang="en-US" smtClean="0"/>
+              <a:rPr lang="en-US"/>
               <a:t>Third level</a:t>
             </a:r>
           </a:p>
           <a:p>
             <a:pPr lvl="3"/>
             <a:r>
-              <a:rPr lang="en-US" smtClean="0"/>
+              <a:rPr lang="en-US"/>
               <a:t>Fourth level</a:t>
             </a:r>
           </a:p>
           <a:p>
             <a:pPr lvl="4"/>
             <a:r>
-              <a:rPr lang="en-US" smtClean="0"/>
+              <a:rPr lang="en-US"/>
               <a:t>Fifth level</a:t>
             </a:r>
             <a:endParaRPr lang="en-AU"/>
@@ -1243,7 +1243,7 @@
           <a:p>
             <a:fld id="{89DEADFB-B843-4FB0-A82E-9E4DB133936D}" type="datetimeFigureOut">
               <a:rPr lang="en-AU" smtClean="0"/>
-              <a:t>30/07/2017</a:t>
+              <a:t>19/04/2024</a:t>
             </a:fld>
             <a:endParaRPr lang="en-AU"/>
           </a:p>
@@ -1342,7 +1342,7 @@
           <a:lstStyle/>
           <a:p>
             <a:r>
-              <a:rPr lang="en-US" smtClean="0"/>
+              <a:rPr lang="en-US"/>
               <a:t>Click to edit Master title style</a:t>
             </a:r>
             <a:endParaRPr lang="en-AU"/>
@@ -1408,7 +1408,7 @@
           <a:p>
             <a:pPr lvl="0"/>
             <a:r>
-              <a:rPr lang="en-US" smtClean="0"/>
+              <a:rPr lang="en-US"/>
               <a:t>Click to edit Master text styles</a:t>
             </a:r>
           </a:p>
@@ -1436,35 +1436,35 @@
           <a:p>
             <a:pPr lvl="0"/>
             <a:r>
-              <a:rPr lang="en-US" smtClean="0"/>
+              <a:rPr lang="en-US"/>
               <a:t>Click to edit Master text styles</a:t>
             </a:r>
           </a:p>
           <a:p>
             <a:pPr lvl="1"/>
             <a:r>
-              <a:rPr lang="en-US" smtClean="0"/>
+              <a:rPr lang="en-US"/>
               <a:t>Second level</a:t>
             </a:r>
           </a:p>
           <a:p>
             <a:pPr lvl="2"/>
             <a:r>
-              <a:rPr lang="en-US" smtClean="0"/>
+              <a:rPr lang="en-US"/>
               <a:t>Third level</a:t>
             </a:r>
           </a:p>
           <a:p>
             <a:pPr lvl="3"/>
             <a:r>
-              <a:rPr lang="en-US" smtClean="0"/>
+              <a:rPr lang="en-US"/>
               <a:t>Fourth level</a:t>
             </a:r>
           </a:p>
           <a:p>
             <a:pPr lvl="4"/>
             <a:r>
-              <a:rPr lang="en-US" smtClean="0"/>
+              <a:rPr lang="en-US"/>
               <a:t>Fifth level</a:t>
             </a:r>
             <a:endParaRPr lang="en-AU"/>
@@ -1530,7 +1530,7 @@
           <a:p>
             <a:pPr lvl="0"/>
             <a:r>
-              <a:rPr lang="en-US" smtClean="0"/>
+              <a:rPr lang="en-US"/>
               <a:t>Click to edit Master text styles</a:t>
             </a:r>
           </a:p>
@@ -1558,35 +1558,35 @@
           <a:p>
             <a:pPr lvl="0"/>
             <a:r>
-              <a:rPr lang="en-US" smtClean="0"/>
+              <a:rPr lang="en-US"/>
               <a:t>Click to edit Master text styles</a:t>
             </a:r>
           </a:p>
           <a:p>
             <a:pPr lvl="1"/>
             <a:r>
-              <a:rPr lang="en-US" smtClean="0"/>
+              <a:rPr lang="en-US"/>
               <a:t>Second level</a:t>
             </a:r>
           </a:p>
           <a:p>
             <a:pPr lvl="2"/>
             <a:r>
-              <a:rPr lang="en-US" smtClean="0"/>
+              <a:rPr lang="en-US"/>
               <a:t>Third level</a:t>
             </a:r>
           </a:p>
           <a:p>
             <a:pPr lvl="3"/>
             <a:r>
-              <a:rPr lang="en-US" smtClean="0"/>
+              <a:rPr lang="en-US"/>
               <a:t>Fourth level</a:t>
             </a:r>
           </a:p>
           <a:p>
             <a:pPr lvl="4"/>
             <a:r>
-              <a:rPr lang="en-US" smtClean="0"/>
+              <a:rPr lang="en-US"/>
               <a:t>Fifth level</a:t>
             </a:r>
             <a:endParaRPr lang="en-AU"/>
@@ -1610,7 +1610,7 @@
           <a:p>
             <a:fld id="{89DEADFB-B843-4FB0-A82E-9E4DB133936D}" type="datetimeFigureOut">
               <a:rPr lang="en-AU" smtClean="0"/>
-              <a:t>30/07/2017</a:t>
+              <a:t>19/04/2024</a:t>
             </a:fld>
             <a:endParaRPr lang="en-AU"/>
           </a:p>
@@ -1704,7 +1704,7 @@
           <a:lstStyle/>
           <a:p>
             <a:r>
-              <a:rPr lang="en-US" smtClean="0"/>
+              <a:rPr lang="en-US"/>
               <a:t>Click to edit Master title style</a:t>
             </a:r>
             <a:endParaRPr lang="en-AU"/>
@@ -1728,7 +1728,7 @@
           <a:p>
             <a:fld id="{89DEADFB-B843-4FB0-A82E-9E4DB133936D}" type="datetimeFigureOut">
               <a:rPr lang="en-AU" smtClean="0"/>
-              <a:t>30/07/2017</a:t>
+              <a:t>19/04/2024</a:t>
             </a:fld>
             <a:endParaRPr lang="en-AU"/>
           </a:p>
@@ -1823,7 +1823,7 @@
           <a:p>
             <a:fld id="{89DEADFB-B843-4FB0-A82E-9E4DB133936D}" type="datetimeFigureOut">
               <a:rPr lang="en-AU" smtClean="0"/>
-              <a:t>30/07/2017</a:t>
+              <a:t>19/04/2024</a:t>
             </a:fld>
             <a:endParaRPr lang="en-AU"/>
           </a:p>
@@ -1926,7 +1926,7 @@
           </a:lstStyle>
           <a:p>
             <a:r>
-              <a:rPr lang="en-US" smtClean="0"/>
+              <a:rPr lang="en-US"/>
               <a:t>Click to edit Master title style</a:t>
             </a:r>
             <a:endParaRPr lang="en-AU"/>
@@ -1983,35 +1983,35 @@
           <a:p>
             <a:pPr lvl="0"/>
             <a:r>
-              <a:rPr lang="en-US" smtClean="0"/>
+              <a:rPr lang="en-US"/>
               <a:t>Click to edit Master text styles</a:t>
             </a:r>
           </a:p>
           <a:p>
             <a:pPr lvl="1"/>
             <a:r>
-              <a:rPr lang="en-US" smtClean="0"/>
+              <a:rPr lang="en-US"/>
               <a:t>Second level</a:t>
             </a:r>
           </a:p>
           <a:p>
             <a:pPr lvl="2"/>
             <a:r>
-              <a:rPr lang="en-US" smtClean="0"/>
+              <a:rPr lang="en-US"/>
               <a:t>Third level</a:t>
             </a:r>
           </a:p>
           <a:p>
             <a:pPr lvl="3"/>
             <a:r>
-              <a:rPr lang="en-US" smtClean="0"/>
+              <a:rPr lang="en-US"/>
               <a:t>Fourth level</a:t>
             </a:r>
           </a:p>
           <a:p>
             <a:pPr lvl="4"/>
             <a:r>
-              <a:rPr lang="en-US" smtClean="0"/>
+              <a:rPr lang="en-US"/>
               <a:t>Fifth level</a:t>
             </a:r>
             <a:endParaRPr lang="en-AU"/>
@@ -2077,7 +2077,7 @@
           <a:p>
             <a:pPr lvl="0"/>
             <a:r>
-              <a:rPr lang="en-US" smtClean="0"/>
+              <a:rPr lang="en-US"/>
               <a:t>Click to edit Master text styles</a:t>
             </a:r>
           </a:p>
@@ -2100,7 +2100,7 @@
           <a:p>
             <a:fld id="{89DEADFB-B843-4FB0-A82E-9E4DB133936D}" type="datetimeFigureOut">
               <a:rPr lang="en-AU" smtClean="0"/>
-              <a:t>30/07/2017</a:t>
+              <a:t>19/04/2024</a:t>
             </a:fld>
             <a:endParaRPr lang="en-AU"/>
           </a:p>
@@ -2203,7 +2203,7 @@
           </a:lstStyle>
           <a:p>
             <a:r>
-              <a:rPr lang="en-US" smtClean="0"/>
+              <a:rPr lang="en-US"/>
               <a:t>Click to edit Master title style</a:t>
             </a:r>
             <a:endParaRPr lang="en-AU"/>
@@ -2330,7 +2330,7 @@
           <a:p>
             <a:pPr lvl="0"/>
             <a:r>
-              <a:rPr lang="en-US" smtClean="0"/>
+              <a:rPr lang="en-US"/>
               <a:t>Click to edit Master text styles</a:t>
             </a:r>
           </a:p>
@@ -2353,7 +2353,7 @@
           <a:p>
             <a:fld id="{89DEADFB-B843-4FB0-A82E-9E4DB133936D}" type="datetimeFigureOut">
               <a:rPr lang="en-AU" smtClean="0"/>
-              <a:t>30/07/2017</a:t>
+              <a:t>19/04/2024</a:t>
             </a:fld>
             <a:endParaRPr lang="en-AU"/>
           </a:p>
@@ -2462,7 +2462,7 @@
           <a:lstStyle/>
           <a:p>
             <a:r>
-              <a:rPr lang="en-US" smtClean="0"/>
+              <a:rPr lang="en-US"/>
               <a:t>Click to edit Master title style</a:t>
             </a:r>
             <a:endParaRPr lang="en-AU"/>
@@ -2496,35 +2496,35 @@
           <a:p>
             <a:pPr lvl="0"/>
             <a:r>
-              <a:rPr lang="en-US" smtClean="0"/>
+              <a:rPr lang="en-US"/>
               <a:t>Click to edit Master text styles</a:t>
             </a:r>
           </a:p>
           <a:p>
             <a:pPr lvl="1"/>
             <a:r>
-              <a:rPr lang="en-US" smtClean="0"/>
+              <a:rPr lang="en-US"/>
               <a:t>Second level</a:t>
             </a:r>
           </a:p>
           <a:p>
             <a:pPr lvl="2"/>
             <a:r>
-              <a:rPr lang="en-US" smtClean="0"/>
+              <a:rPr lang="en-US"/>
               <a:t>Third level</a:t>
             </a:r>
           </a:p>
           <a:p>
             <a:pPr lvl="3"/>
             <a:r>
-              <a:rPr lang="en-US" smtClean="0"/>
+              <a:rPr lang="en-US"/>
               <a:t>Fourth level</a:t>
             </a:r>
           </a:p>
           <a:p>
             <a:pPr lvl="4"/>
             <a:r>
-              <a:rPr lang="en-US" smtClean="0"/>
+              <a:rPr lang="en-US"/>
               <a:t>Fifth level</a:t>
             </a:r>
             <a:endParaRPr lang="en-AU"/>
@@ -2566,7 +2566,7 @@
           <a:p>
             <a:fld id="{89DEADFB-B843-4FB0-A82E-9E4DB133936D}" type="datetimeFigureOut">
               <a:rPr lang="en-AU" smtClean="0"/>
-              <a:t>30/07/2017</a:t>
+              <a:t>19/04/2024</a:t>
             </a:fld>
             <a:endParaRPr lang="en-AU"/>
           </a:p>
@@ -2995,13 +2995,8 @@
           <a:p>
             <a:r>
               <a:rPr lang="en-AU" sz="1801" dirty="0"/>
-              <a:t>Logical </a:t>
+              <a:t>Logical Block Diagram</a:t>
             </a:r>
-            <a:r>
-              <a:rPr lang="en-AU" sz="1801" dirty="0" smtClean="0"/>
-              <a:t>Block Diagram</a:t>
-            </a:r>
-            <a:endParaRPr lang="en-AU" sz="1801" dirty="0"/>
           </a:p>
         </p:txBody>
       </p:sp>
@@ -4770,20 +4765,15 @@
               <a:pPr algn="ctr"/>
               <a:r>
                 <a:rPr lang="en-AU" sz="1200" dirty="0"/>
-                <a:t>Master Control </a:t>
-              </a:r>
-              <a:r>
-                <a:rPr lang="en-AU" sz="1200" dirty="0" smtClean="0"/>
-                <a:t>Microprocessor</a:t>
+                <a:t>Master Control Microprocessor</a:t>
               </a:r>
             </a:p>
             <a:p>
               <a:pPr algn="ctr"/>
               <a:r>
-                <a:rPr lang="en-AU" sz="1200" dirty="0" smtClean="0"/>
+                <a:rPr lang="en-AU" sz="1200" dirty="0"/>
                 <a:t>(Arduino Nano)</a:t>
               </a:r>
-              <a:endParaRPr lang="en-AU" sz="1200" dirty="0"/>
             </a:p>
           </p:txBody>
         </p:sp>
@@ -5433,10 +5423,9 @@
             <a:lstStyle/>
             <a:p>
               <a:r>
-                <a:rPr lang="en-AU" sz="1050" dirty="0" smtClean="0"/>
+                <a:rPr lang="en-AU" sz="1050" dirty="0"/>
                 <a:t>16 Pin (2x8) Ribbon Cable </a:t>
               </a:r>
-              <a:endParaRPr lang="en-AU" sz="1050" dirty="0"/>
             </a:p>
           </p:txBody>
         </p:sp>
@@ -5463,10 +5452,9 @@
             <a:lstStyle/>
             <a:p>
               <a:r>
-                <a:rPr lang="en-AU" sz="1050" dirty="0" smtClean="0"/>
+                <a:rPr lang="en-AU" sz="1050" dirty="0"/>
                 <a:t>I2C Serial Bus</a:t>
               </a:r>
-              <a:endParaRPr lang="en-AU" sz="1050" dirty="0"/>
             </a:p>
           </p:txBody>
         </p:sp>
@@ -5493,10 +5481,9 @@
             <a:lstStyle/>
             <a:p>
               <a:r>
-                <a:rPr lang="en-AU" sz="1050" dirty="0" smtClean="0"/>
+                <a:rPr lang="en-AU" sz="1050" dirty="0"/>
                 <a:t>I2C Serial Bus</a:t>
               </a:r>
-              <a:endParaRPr lang="en-AU" sz="1050" dirty="0"/>
             </a:p>
           </p:txBody>
         </p:sp>
@@ -5523,10 +5510,9 @@
             <a:lstStyle/>
             <a:p>
               <a:r>
-                <a:rPr lang="en-AU" sz="1050" dirty="0" smtClean="0"/>
+                <a:rPr lang="en-AU" sz="1050" dirty="0"/>
                 <a:t>2.4GHz Coax</a:t>
               </a:r>
-              <a:endParaRPr lang="en-AU" sz="1050" dirty="0"/>
             </a:p>
           </p:txBody>
         </p:sp>
@@ -5588,10 +5574,9 @@
             <a:lstStyle/>
             <a:p>
               <a:r>
-                <a:rPr lang="en-AU" sz="1050" dirty="0" smtClean="0"/>
+                <a:rPr lang="en-AU" sz="1050" dirty="0"/>
                 <a:t>8 Pin (2x4) Cable</a:t>
               </a:r>
-              <a:endParaRPr lang="en-AU" sz="1050" dirty="0"/>
             </a:p>
           </p:txBody>
         </p:sp>
@@ -5650,13 +5635,8 @@
           <a:p>
             <a:r>
               <a:rPr lang="en-AU" sz="1801" dirty="0"/>
-              <a:t>Power </a:t>
+              <a:t>Power Block Diagram</a:t>
             </a:r>
-            <a:r>
-              <a:rPr lang="en-AU" sz="1801" dirty="0" smtClean="0"/>
-              <a:t>Block Diagram</a:t>
-            </a:r>
-            <a:endParaRPr lang="en-AU" sz="1801" dirty="0"/>
           </a:p>
         </p:txBody>
       </p:sp>
@@ -6602,13 +6582,8 @@
                 <a:pPr algn="ctr"/>
                 <a:r>
                   <a:rPr lang="en-AU" sz="1200" dirty="0"/>
-                  <a:t>Panel Control </a:t>
+                  <a:t>Panel Control Microprocessor</a:t>
                 </a:r>
-                <a:r>
-                  <a:rPr lang="en-AU" sz="1200" dirty="0" smtClean="0"/>
-                  <a:t>Microprocessor</a:t>
-                </a:r>
-                <a:endParaRPr lang="en-AU" sz="1200" dirty="0"/>
               </a:p>
             </p:txBody>
           </p:sp>
@@ -7060,7 +7035,6 @@
                   <a:rPr lang="en-AU" sz="1200" dirty="0"/>
                   <a:t>240V AC - 5V 40A DC POWER</a:t>
                 </a:r>
-                <a:endParaRPr lang="en-AU" sz="1200" dirty="0"/>
               </a:p>
             </p:txBody>
           </p:sp>
@@ -7211,22 +7185,13 @@
               <a:p>
                 <a:pPr algn="ctr"/>
                 <a:r>
-                  <a:rPr lang="en-AU" sz="1801" b="1" dirty="0" smtClean="0">
-                    <a:ln w="0"/>
-                    <a:solidFill>
-                      <a:schemeClr val="tx1"/>
-                    </a:solidFill>
-                  </a:rPr>
-                  <a:t>Right </a:t>
-                </a:r>
-                <a:r>
                   <a:rPr lang="en-AU" sz="1801" b="1" dirty="0">
                     <a:ln w="0"/>
                     <a:solidFill>
                       <a:schemeClr val="tx1"/>
                     </a:solidFill>
                   </a:rPr>
-                  <a:t>Panel</a:t>
+                  <a:t>Right Panel</a:t>
                 </a:r>
               </a:p>
             </p:txBody>
@@ -7613,13 +7578,8 @@
                 <a:pPr algn="ctr"/>
                 <a:r>
                   <a:rPr lang="en-AU" sz="1200" dirty="0"/>
-                  <a:t>Panel Control </a:t>
+                  <a:t>Panel Control Microprocessor</a:t>
                 </a:r>
-                <a:r>
-                  <a:rPr lang="en-AU" sz="1200" dirty="0" smtClean="0"/>
-                  <a:t>Microprocessor</a:t>
-                </a:r>
-                <a:endParaRPr lang="en-AU" sz="1200" dirty="0"/>
               </a:p>
             </p:txBody>
           </p:sp>
@@ -8071,7 +8031,6 @@
                   <a:rPr lang="en-AU" sz="1200" dirty="0"/>
                   <a:t>240V AC - 5V 40A DC POWER</a:t>
                 </a:r>
-                <a:endParaRPr lang="en-AU" sz="1200" dirty="0"/>
               </a:p>
             </p:txBody>
           </p:sp>
@@ -8282,7 +8241,6 @@
                 <a:rPr lang="en-AU" sz="1200" dirty="0"/>
                 <a:t>LM117 3V3 Regulator</a:t>
               </a:r>
-              <a:endParaRPr lang="en-AU" sz="1200" dirty="0"/>
             </a:p>
           </p:txBody>
         </p:sp>
@@ -8406,10 +8364,9 @@
               <a:lstStyle/>
               <a:p>
                 <a:r>
-                  <a:rPr lang="en-AU" sz="1050" dirty="0" smtClean="0"/>
+                  <a:rPr lang="en-AU" sz="1050" dirty="0"/>
                   <a:t>3V DC</a:t>
                 </a:r>
-                <a:endParaRPr lang="en-AU" sz="1050" dirty="0"/>
               </a:p>
             </p:txBody>
           </p:sp>
@@ -8489,10 +8446,9 @@
                 <a:lstStyle/>
                 <a:p>
                   <a:r>
-                    <a:rPr lang="en-AU" sz="1050" dirty="0" smtClean="0"/>
+                    <a:rPr lang="en-AU" sz="1050" dirty="0"/>
                     <a:t>5V DC</a:t>
                   </a:r>
-                  <a:endParaRPr lang="en-AU" sz="1050" dirty="0"/>
                 </a:p>
               </p:txBody>
             </p:sp>
@@ -8570,10 +8526,9 @@
                 <a:lstStyle/>
                 <a:p>
                   <a:r>
-                    <a:rPr lang="en-AU" sz="1050" dirty="0" smtClean="0"/>
+                    <a:rPr lang="en-AU" sz="1050" dirty="0"/>
                     <a:t>240V AC</a:t>
                   </a:r>
-                  <a:endParaRPr lang="en-AU" sz="1050" dirty="0"/>
                 </a:p>
               </p:txBody>
             </p:sp>
@@ -8751,8 +8706,12 @@
             <a:p>
               <a:pPr algn="ctr"/>
               <a:r>
+                <a:rPr lang="en-AU" sz="1100" dirty="0" err="1"/>
+                <a:t>Huidu</a:t>
+              </a:r>
+              <a:r>
                 <a:rPr lang="en-AU" sz="1100" dirty="0"/>
-                <a:t>ONBON BX-5M1 LED Controller</a:t>
+                <a:t> HD-W6B LED Controller</a:t>
               </a:r>
             </a:p>
           </p:txBody>
@@ -8931,9 +8890,9 @@
           <p:grpSpPr>
             <a:xfrm>
               <a:off x="848559" y="4829439"/>
-              <a:ext cx="2596626" cy="1332698"/>
+              <a:ext cx="2348161" cy="1332698"/>
               <a:chOff x="848559" y="3870145"/>
-              <a:chExt cx="2596626" cy="1332698"/>
+              <a:chExt cx="2348161" cy="1332698"/>
             </a:xfrm>
           </p:grpSpPr>
           <p:pic>
@@ -8975,7 +8934,7 @@
             <p:spPr>
               <a:xfrm>
                 <a:off x="2000559" y="4074199"/>
-                <a:ext cx="1444626" cy="261610"/>
+                <a:ext cx="1196161" cy="261610"/>
               </a:xfrm>
               <a:prstGeom prst="rect">
                 <a:avLst/>
@@ -8989,18 +8948,9 @@
               <a:lstStyle/>
               <a:p>
                 <a:r>
-                  <a:rPr lang="en-AU" sz="1100" dirty="0" err="1"/>
-                  <a:t>LEDShowTW</a:t>
+                  <a:rPr lang="en-AU" sz="1100" dirty="0"/>
+                  <a:t>HD2020 Software</a:t>
                 </a:r>
-                <a:r>
-                  <a:rPr lang="en-AU" sz="1100" dirty="0"/>
-                  <a:t> S</a:t>
-                </a:r>
-                <a:r>
-                  <a:rPr lang="en-AU" sz="1100" dirty="0" smtClean="0"/>
-                  <a:t>oftware</a:t>
-                </a:r>
-                <a:endParaRPr lang="en-AU" sz="1100" dirty="0"/>
               </a:p>
             </p:txBody>
           </p:sp>
@@ -9045,7 +8995,6 @@
                 <a:rPr lang="en-AU" sz="1200" dirty="0"/>
                 <a:t>240V AC - 5V 40A DC POWER</a:t>
               </a:r>
-              <a:endParaRPr lang="en-AU" sz="1200" dirty="0"/>
             </a:p>
           </p:txBody>
         </p:sp>
@@ -9960,13 +9909,8 @@
                 <a:pPr algn="ctr"/>
                 <a:r>
                   <a:rPr lang="en-AU" sz="1001" dirty="0"/>
-                  <a:t>Panel </a:t>
+                  <a:t>Panel A1</a:t>
                 </a:r>
-                <a:r>
-                  <a:rPr lang="en-AU" sz="1001" dirty="0" smtClean="0"/>
-                  <a:t>A1</a:t>
-                </a:r>
-                <a:endParaRPr lang="en-AU" sz="1001" dirty="0"/>
               </a:p>
             </p:txBody>
           </p:sp>
@@ -10008,13 +9952,8 @@
                 <a:pPr algn="ctr"/>
                 <a:r>
                   <a:rPr lang="en-AU" sz="1001" dirty="0"/>
-                  <a:t>Panel </a:t>
+                  <a:t>Panel A2</a:t>
                 </a:r>
-                <a:r>
-                  <a:rPr lang="en-AU" sz="1001" dirty="0" smtClean="0"/>
-                  <a:t>A2</a:t>
-                </a:r>
-                <a:endParaRPr lang="en-AU" sz="1001" dirty="0"/>
               </a:p>
             </p:txBody>
           </p:sp>
@@ -10099,13 +10038,8 @@
                 <a:pPr algn="ctr"/>
                 <a:r>
                   <a:rPr lang="en-AU" sz="1001" dirty="0"/>
-                  <a:t>Panel </a:t>
+                  <a:t>Panel A3</a:t>
                 </a:r>
-                <a:r>
-                  <a:rPr lang="en-AU" sz="1001" dirty="0" smtClean="0"/>
-                  <a:t>A3</a:t>
-                </a:r>
-                <a:endParaRPr lang="en-AU" sz="1001" dirty="0"/>
               </a:p>
             </p:txBody>
           </p:sp>
@@ -10189,13 +10123,8 @@
                 <a:pPr algn="ctr"/>
                 <a:r>
                   <a:rPr lang="en-AU" sz="1001" dirty="0"/>
-                  <a:t>Panel </a:t>
+                  <a:t>Panel A4</a:t>
                 </a:r>
-                <a:r>
-                  <a:rPr lang="en-AU" sz="1001" dirty="0" smtClean="0"/>
-                  <a:t>A4</a:t>
-                </a:r>
-                <a:endParaRPr lang="en-AU" sz="1001" dirty="0"/>
               </a:p>
             </p:txBody>
           </p:sp>
@@ -10279,13 +10208,8 @@
                 <a:pPr algn="ctr"/>
                 <a:r>
                   <a:rPr lang="en-AU" sz="1001" dirty="0"/>
-                  <a:t>Panel </a:t>
+                  <a:t>Panel A5</a:t>
                 </a:r>
-                <a:r>
-                  <a:rPr lang="en-AU" sz="1001" dirty="0" smtClean="0"/>
-                  <a:t>A5</a:t>
-                </a:r>
-                <a:endParaRPr lang="en-AU" sz="1001" dirty="0"/>
               </a:p>
             </p:txBody>
           </p:sp>
@@ -10369,13 +10293,8 @@
                 <a:pPr algn="ctr"/>
                 <a:r>
                   <a:rPr lang="en-AU" sz="1001" dirty="0"/>
-                  <a:t>Panel </a:t>
+                  <a:t>Panel A6</a:t>
                 </a:r>
-                <a:r>
-                  <a:rPr lang="en-AU" sz="1001" dirty="0" smtClean="0"/>
-                  <a:t>A6</a:t>
-                </a:r>
-                <a:endParaRPr lang="en-AU" sz="1001" dirty="0"/>
               </a:p>
             </p:txBody>
           </p:sp>
@@ -10459,13 +10378,8 @@
                 <a:pPr algn="ctr"/>
                 <a:r>
                   <a:rPr lang="en-AU" sz="1001" dirty="0"/>
-                  <a:t>Panel </a:t>
+                  <a:t>Panel A7</a:t>
                 </a:r>
-                <a:r>
-                  <a:rPr lang="en-AU" sz="1001" dirty="0" smtClean="0"/>
-                  <a:t>A7</a:t>
-                </a:r>
-                <a:endParaRPr lang="en-AU" sz="1001" dirty="0"/>
               </a:p>
             </p:txBody>
           </p:sp>
@@ -10816,13 +10730,8 @@
                 <a:pPr algn="ctr"/>
                 <a:r>
                   <a:rPr lang="en-AU" sz="1001" dirty="0"/>
-                  <a:t>Panel </a:t>
+                  <a:t>Panel C1</a:t>
                 </a:r>
-                <a:r>
-                  <a:rPr lang="en-AU" sz="1001" dirty="0" smtClean="0"/>
-                  <a:t>C1</a:t>
-                </a:r>
-                <a:endParaRPr lang="en-AU" sz="1001" dirty="0"/>
               </a:p>
             </p:txBody>
           </p:sp>
@@ -10864,13 +10773,8 @@
                 <a:pPr algn="ctr"/>
                 <a:r>
                   <a:rPr lang="en-AU" sz="1001" dirty="0"/>
-                  <a:t>Panel </a:t>
+                  <a:t>Panel C2</a:t>
                 </a:r>
-                <a:r>
-                  <a:rPr lang="en-AU" sz="1001" dirty="0" smtClean="0"/>
-                  <a:t>C2</a:t>
-                </a:r>
-                <a:endParaRPr lang="en-AU" sz="1001" dirty="0"/>
               </a:p>
             </p:txBody>
           </p:sp>
@@ -10955,13 +10859,8 @@
                 <a:pPr algn="ctr"/>
                 <a:r>
                   <a:rPr lang="en-AU" sz="1001" dirty="0"/>
-                  <a:t>Panel </a:t>
+                  <a:t>Panel C3</a:t>
                 </a:r>
-                <a:r>
-                  <a:rPr lang="en-AU" sz="1001" dirty="0" smtClean="0"/>
-                  <a:t>C3</a:t>
-                </a:r>
-                <a:endParaRPr lang="en-AU" sz="1001" dirty="0"/>
               </a:p>
             </p:txBody>
           </p:sp>
@@ -11045,13 +10944,8 @@
                 <a:pPr algn="ctr"/>
                 <a:r>
                   <a:rPr lang="en-AU" sz="1001" dirty="0"/>
-                  <a:t>Panel </a:t>
+                  <a:t>Panel C4</a:t>
                 </a:r>
-                <a:r>
-                  <a:rPr lang="en-AU" sz="1001" dirty="0" smtClean="0"/>
-                  <a:t>C4</a:t>
-                </a:r>
-                <a:endParaRPr lang="en-AU" sz="1001" dirty="0"/>
               </a:p>
             </p:txBody>
           </p:sp>
@@ -11135,13 +11029,8 @@
                 <a:pPr algn="ctr"/>
                 <a:r>
                   <a:rPr lang="en-AU" sz="1001" dirty="0"/>
-                  <a:t>Panel </a:t>
+                  <a:t>Panel C5</a:t>
                 </a:r>
-                <a:r>
-                  <a:rPr lang="en-AU" sz="1001" dirty="0" smtClean="0"/>
-                  <a:t>C5</a:t>
-                </a:r>
-                <a:endParaRPr lang="en-AU" sz="1001" dirty="0"/>
               </a:p>
             </p:txBody>
           </p:sp>
@@ -11225,13 +11114,8 @@
                 <a:pPr algn="ctr"/>
                 <a:r>
                   <a:rPr lang="en-AU" sz="1001" dirty="0"/>
-                  <a:t>Panel </a:t>
+                  <a:t>Panel C6</a:t>
                 </a:r>
-                <a:r>
-                  <a:rPr lang="en-AU" sz="1001" dirty="0" smtClean="0"/>
-                  <a:t>C6</a:t>
-                </a:r>
-                <a:endParaRPr lang="en-AU" sz="1001" dirty="0"/>
               </a:p>
             </p:txBody>
           </p:sp>
@@ -11315,13 +11199,8 @@
                 <a:pPr algn="ctr"/>
                 <a:r>
                   <a:rPr lang="en-AU" sz="1001" dirty="0"/>
-                  <a:t>Panel </a:t>
+                  <a:t>Panel C7</a:t>
                 </a:r>
-                <a:r>
-                  <a:rPr lang="en-AU" sz="1001" dirty="0" smtClean="0"/>
-                  <a:t>C7</a:t>
-                </a:r>
-                <a:endParaRPr lang="en-AU" sz="1001" dirty="0"/>
               </a:p>
             </p:txBody>
           </p:sp>
@@ -11660,7 +11539,6 @@
                 <a:rPr lang="en-AU" sz="1200" dirty="0"/>
                 <a:t>240V AC - 5V 40A DC POWER</a:t>
               </a:r>
-              <a:endParaRPr lang="en-AU" sz="1200" dirty="0"/>
             </a:p>
           </p:txBody>
         </p:sp>
@@ -11742,7 +11620,6 @@
                 <a:rPr lang="en-AU" sz="1200" dirty="0"/>
                 <a:t>240V AC - 5V 40A DC POWER</a:t>
               </a:r>
-              <a:endParaRPr lang="en-AU" sz="1200" dirty="0"/>
             </a:p>
           </p:txBody>
         </p:sp>
@@ -11890,10 +11767,9 @@
             <a:lstStyle/>
             <a:p>
               <a:r>
-                <a:rPr lang="en-AU" sz="1050" dirty="0" smtClean="0"/>
+                <a:rPr lang="en-AU" sz="1050" dirty="0"/>
                 <a:t>16 Pin Ribbon</a:t>
               </a:r>
-              <a:endParaRPr lang="en-AU" sz="1050" dirty="0"/>
             </a:p>
           </p:txBody>
         </p:sp>
@@ -11973,10 +11849,9 @@
               <a:lstStyle/>
               <a:p>
                 <a:r>
-                  <a:rPr lang="en-AU" sz="1050" dirty="0" smtClean="0"/>
+                  <a:rPr lang="en-AU" sz="1050" dirty="0"/>
                   <a:t>5V DC</a:t>
                 </a:r>
-                <a:endParaRPr lang="en-AU" sz="1050" dirty="0"/>
               </a:p>
             </p:txBody>
           </p:sp>
@@ -12054,10 +11929,9 @@
               <a:lstStyle/>
               <a:p>
                 <a:r>
-                  <a:rPr lang="en-AU" sz="1050" dirty="0" smtClean="0"/>
+                  <a:rPr lang="en-AU" sz="1050" dirty="0"/>
                   <a:t>Ethernet</a:t>
                 </a:r>
-                <a:endParaRPr lang="en-AU" sz="1050" dirty="0"/>
               </a:p>
             </p:txBody>
           </p:sp>
